--- a/modules/PPT/MarkRecapture1.pptx
+++ b/modules/PPT/MarkRecapture1.pptx
@@ -4410,7 +4410,11 @@
           <a:p>
             <a:r>
               <a:rPr lang="en-US" dirty="0" smtClean="0"/>
-              <a:t>Marking Animals -- Fish</a:t>
+              <a:t>Marking </a:t>
+            </a:r>
+            <a:r>
+              <a:rPr lang="en-US" dirty="0" smtClean="0"/>
+              <a:t>Fish</a:t>
             </a:r>
             <a:endParaRPr lang="en-US" dirty="0"/>
           </a:p>
@@ -4546,7 +4550,11 @@
           <a:p>
             <a:r>
               <a:rPr lang="en-US" dirty="0" smtClean="0"/>
-              <a:t>Marking Animals -- Fish</a:t>
+              <a:t>Marking </a:t>
+            </a:r>
+            <a:r>
+              <a:rPr lang="en-US" dirty="0" smtClean="0"/>
+              <a:t>Fish</a:t>
             </a:r>
             <a:endParaRPr lang="en-US" dirty="0"/>
           </a:p>
@@ -4663,7 +4671,11 @@
           <a:p>
             <a:r>
               <a:rPr lang="en-US" dirty="0" smtClean="0"/>
-              <a:t>Marking Animals -- Fish</a:t>
+              <a:t>Marking </a:t>
+            </a:r>
+            <a:r>
+              <a:rPr lang="en-US" dirty="0" smtClean="0"/>
+              <a:t>Fish</a:t>
             </a:r>
             <a:endParaRPr lang="en-US" dirty="0"/>
           </a:p>
@@ -4884,7 +4896,11 @@
           <a:p>
             <a:r>
               <a:rPr lang="en-US" dirty="0" smtClean="0"/>
-              <a:t>Marking Animals -- Fish</a:t>
+              <a:t>Marking </a:t>
+            </a:r>
+            <a:r>
+              <a:rPr lang="en-US" dirty="0" smtClean="0"/>
+              <a:t>Fish</a:t>
             </a:r>
             <a:endParaRPr lang="en-US" dirty="0"/>
           </a:p>
@@ -5100,7 +5116,11 @@
           <a:p>
             <a:r>
               <a:rPr lang="en-US" dirty="0" smtClean="0"/>
-              <a:t>Marking Animals -- Fish</a:t>
+              <a:t>Marking </a:t>
+            </a:r>
+            <a:r>
+              <a:rPr lang="en-US" dirty="0" smtClean="0"/>
+              <a:t>Fish</a:t>
             </a:r>
             <a:endParaRPr lang="en-US" dirty="0"/>
           </a:p>
@@ -25133,7 +25153,7 @@
           <a:p>
             <a:r>
               <a:rPr lang="en-US" dirty="0" smtClean="0"/>
-              <a:t>Marking Animals -- Fish</a:t>
+              <a:t>Marking Fish</a:t>
             </a:r>
             <a:endParaRPr lang="en-US" dirty="0"/>
           </a:p>
@@ -25243,7 +25263,11 @@
           <a:p>
             <a:r>
               <a:rPr lang="en-US" dirty="0" smtClean="0"/>
-              <a:t>Marking Animals -- Fish</a:t>
+              <a:t>Marking </a:t>
+            </a:r>
+            <a:r>
+              <a:rPr lang="en-US" dirty="0" smtClean="0"/>
+              <a:t>Fish</a:t>
             </a:r>
             <a:endParaRPr lang="en-US" dirty="0"/>
           </a:p>
@@ -25353,7 +25377,11 @@
           <a:p>
             <a:r>
               <a:rPr lang="en-US" dirty="0" smtClean="0"/>
-              <a:t>Marking Animals -- Fish</a:t>
+              <a:t>Marking </a:t>
+            </a:r>
+            <a:r>
+              <a:rPr lang="en-US" dirty="0" smtClean="0"/>
+              <a:t>Fish</a:t>
             </a:r>
             <a:endParaRPr lang="en-US" dirty="0"/>
           </a:p>
@@ -25470,7 +25498,11 @@
           <a:p>
             <a:r>
               <a:rPr lang="en-US" dirty="0" smtClean="0"/>
-              <a:t>Marking Animals -- Fish</a:t>
+              <a:t>Marking </a:t>
+            </a:r>
+            <a:r>
+              <a:rPr lang="en-US" dirty="0" smtClean="0"/>
+              <a:t>Fish</a:t>
             </a:r>
             <a:endParaRPr lang="en-US" dirty="0"/>
           </a:p>
